--- a/ontology.pptx
+++ b/ontology.pptx
@@ -3107,7 +3107,7 @@
         <p:spPr>
           <a:xfrm>
             <a:off x="4070052" y="385163"/>
-            <a:ext cx="941283" cy="369332"/>
+            <a:ext cx="915635" cy="369332"/>
           </a:xfrm>
           <a:prstGeom prst="rect">
             <a:avLst/>
@@ -3133,9 +3133,10 @@
           <a:lstStyle/>
           <a:p>
             <a:r>
-              <a:rPr lang="en-US" sz="900" b="1" dirty="0" smtClean="0"/>
-              <a:t>Border Security</a:t>
-            </a:r>
+              <a:rPr lang="en-US" sz="900" b="1" dirty="0" err="1" smtClean="0"/>
+              <a:t>borderSecurity</a:t>
+            </a:r>
+            <a:endParaRPr lang="en-US" sz="900" b="1" dirty="0" smtClean="0"/>
           </a:p>
           <a:p>
             <a:r>
@@ -3180,9 +3181,10 @@
           <a:lstStyle/>
           <a:p>
             <a:r>
-              <a:rPr lang="en-US" sz="900" b="1" dirty="0" smtClean="0"/>
-              <a:t>Deportation Plan</a:t>
-            </a:r>
+              <a:rPr lang="en-US" sz="900" b="1" dirty="0" err="1" smtClean="0"/>
+              <a:t>deportationPlan</a:t>
+            </a:r>
+            <a:endParaRPr lang="en-US" sz="900" b="1" dirty="0" smtClean="0"/>
           </a:p>
           <a:p>
             <a:r>
@@ -3227,9 +3229,10 @@
           <a:lstStyle/>
           <a:p>
             <a:r>
-              <a:rPr lang="en-US" sz="900" b="1" dirty="0" smtClean="0"/>
-              <a:t>Mexico</a:t>
-            </a:r>
+              <a:rPr lang="en-US" sz="900" b="1" dirty="0" err="1" smtClean="0"/>
+              <a:t>mexico</a:t>
+            </a:r>
+            <a:endParaRPr lang="en-US" sz="900" b="1" dirty="0" smtClean="0"/>
           </a:p>
           <a:p>
             <a:r>
@@ -3252,7 +3255,7 @@
           <a:p>
             <a:r>
               <a:rPr lang="en-US" sz="900" b="1" dirty="0" smtClean="0"/>
-              <a:t>89:2</a:t>
+              <a:t>89:3</a:t>
             </a:r>
           </a:p>
         </p:txBody>
@@ -3292,9 +3295,14 @@
           <a:lstStyle/>
           <a:p>
             <a:r>
-              <a:rPr lang="en-US" sz="900" b="1" dirty="0" smtClean="0"/>
-              <a:t>Border Wall</a:t>
-            </a:r>
+              <a:rPr lang="en-US" sz="900" b="1" dirty="0" err="1"/>
+              <a:t>b</a:t>
+            </a:r>
+            <a:r>
+              <a:rPr lang="en-US" sz="900" b="1" dirty="0" err="1" smtClean="0"/>
+              <a:t>orderWall</a:t>
+            </a:r>
+            <a:endParaRPr lang="en-US" sz="900" b="1" dirty="0" smtClean="0"/>
           </a:p>
           <a:p>
             <a:r>
@@ -3311,7 +3319,7 @@
           <a:p>
             <a:r>
               <a:rPr lang="en-US" sz="900" b="1" dirty="0" smtClean="0"/>
-              <a:t>77:4</a:t>
+              <a:t>77:10</a:t>
             </a:r>
           </a:p>
           <a:p>
@@ -3357,9 +3365,14 @@
           <a:lstStyle/>
           <a:p>
             <a:r>
-              <a:rPr lang="en-US" sz="900" b="1" dirty="0" smtClean="0"/>
-              <a:t>Homeland Security</a:t>
-            </a:r>
+              <a:rPr lang="en-US" sz="900" b="1" dirty="0" err="1"/>
+              <a:t>h</a:t>
+            </a:r>
+            <a:r>
+              <a:rPr lang="en-US" sz="900" b="1" dirty="0" err="1" smtClean="0"/>
+              <a:t>omelandSecurity</a:t>
+            </a:r>
+            <a:endParaRPr lang="en-US" sz="900" b="1" dirty="0" smtClean="0"/>
           </a:p>
           <a:p>
             <a:r>
@@ -3370,7 +3383,7 @@
           <a:p>
             <a:r>
               <a:rPr lang="en-US" sz="900" b="1" dirty="0" smtClean="0"/>
-              <a:t>89:1</a:t>
+              <a:t>89:3</a:t>
             </a:r>
           </a:p>
         </p:txBody>
@@ -3410,9 +3423,10 @@
           <a:lstStyle/>
           <a:p>
             <a:r>
-              <a:rPr lang="en-US" sz="900" b="1" dirty="0" smtClean="0"/>
-              <a:t>US Customs &amp; Border Protection</a:t>
-            </a:r>
+              <a:rPr lang="en-US" sz="900" b="1" dirty="0" err="1" smtClean="0"/>
+              <a:t>uscbp</a:t>
+            </a:r>
+            <a:endParaRPr lang="en-US" sz="900" b="1" dirty="0" smtClean="0"/>
           </a:p>
           <a:p>
             <a:r>
@@ -3424,6 +3438,12 @@
             <a:r>
               <a:rPr lang="en-US" sz="900" b="1" dirty="0" smtClean="0"/>
               <a:t>77:2</a:t>
+            </a:r>
+          </a:p>
+          <a:p>
+            <a:r>
+              <a:rPr lang="en-US" sz="900" b="1" dirty="0" smtClean="0"/>
+              <a:t>89:1</a:t>
             </a:r>
           </a:p>
         </p:txBody>
@@ -3437,7 +3457,7 @@
         <p:spPr>
           <a:xfrm>
             <a:off x="777866" y="2084231"/>
-            <a:ext cx="1243632" cy="646331"/>
+            <a:ext cx="1243632" cy="784830"/>
           </a:xfrm>
           <a:prstGeom prst="rect">
             <a:avLst/>
@@ -3463,8 +3483,15 @@
           <a:lstStyle/>
           <a:p>
             <a:r>
-              <a:rPr lang="en-US" sz="900" b="1" dirty="0" smtClean="0"/>
-              <a:t>Immigration/DACA</a:t>
+              <a:rPr lang="en-US" sz="900" b="1" dirty="0" err="1" smtClean="0"/>
+              <a:t>immigrationDaca</a:t>
+            </a:r>
+            <a:endParaRPr lang="en-US" sz="900" b="1" dirty="0" smtClean="0"/>
+          </a:p>
+          <a:p>
+            <a:r>
+              <a:rPr lang="en-US" sz="900" b="1" dirty="0" smtClean="0"/>
+              <a:t>15:1</a:t>
             </a:r>
           </a:p>
           <a:p>
@@ -3522,9 +3549,14 @@
           <a:lstStyle/>
           <a:p>
             <a:r>
-              <a:rPr lang="en-US" sz="900" b="1" dirty="0" smtClean="0"/>
-              <a:t>Wall Legislation</a:t>
-            </a:r>
+              <a:rPr lang="en-US" sz="900" b="1" dirty="0" err="1"/>
+              <a:t>w</a:t>
+            </a:r>
+            <a:r>
+              <a:rPr lang="en-US" sz="900" b="1" dirty="0" err="1" smtClean="0"/>
+              <a:t>allLegislation</a:t>
+            </a:r>
+            <a:endParaRPr lang="en-US" sz="900" b="1" dirty="0" smtClean="0"/>
           </a:p>
           <a:p>
             <a:r>
@@ -3588,7 +3620,7 @@
           <a:p>
             <a:r>
               <a:rPr lang="en-US" sz="900" b="1" dirty="0" smtClean="0"/>
-              <a:t>2006 Secure Fence Act</a:t>
+              <a:t>2006SecureFenceAct</a:t>
             </a:r>
           </a:p>
           <a:p>
@@ -3640,9 +3672,10 @@
           <a:lstStyle/>
           <a:p>
             <a:r>
-              <a:rPr lang="en-US" sz="900" b="1" dirty="0" smtClean="0"/>
-              <a:t>Mexico Pays For Wall</a:t>
-            </a:r>
+              <a:rPr lang="en-US" sz="900" b="1" dirty="0" err="1" smtClean="0"/>
+              <a:t>mexicoPaysForWall</a:t>
+            </a:r>
+            <a:endParaRPr lang="en-US" sz="900" b="1" dirty="0" smtClean="0"/>
           </a:p>
           <a:p>
             <a:r>
@@ -3693,9 +3726,14 @@
           <a:lstStyle/>
           <a:p>
             <a:r>
-              <a:rPr lang="en-US" sz="900" b="1" dirty="0" smtClean="0"/>
-              <a:t>Wall Supporters</a:t>
-            </a:r>
+              <a:rPr lang="en-US" sz="900" b="1" dirty="0" err="1"/>
+              <a:t>w</a:t>
+            </a:r>
+            <a:r>
+              <a:rPr lang="en-US" sz="900" b="1" dirty="0" err="1" smtClean="0"/>
+              <a:t>allSupporters</a:t>
+            </a:r>
+            <a:endParaRPr lang="en-US" sz="900" b="1" dirty="0" smtClean="0"/>
           </a:p>
           <a:p>
             <a:r>
@@ -3746,9 +3784,14 @@
           <a:lstStyle/>
           <a:p>
             <a:r>
-              <a:rPr lang="en-US" sz="900" b="1" dirty="0" smtClean="0"/>
-              <a:t>Wall Opponents</a:t>
-            </a:r>
+              <a:rPr lang="en-US" sz="900" b="1" dirty="0" err="1"/>
+              <a:t>w</a:t>
+            </a:r>
+            <a:r>
+              <a:rPr lang="en-US" sz="900" b="1" dirty="0" err="1" smtClean="0"/>
+              <a:t>allOpponents</a:t>
+            </a:r>
+            <a:endParaRPr lang="en-US" sz="900" b="1" dirty="0" smtClean="0"/>
           </a:p>
           <a:p>
             <a:r>
@@ -3811,9 +3854,14 @@
           <a:lstStyle/>
           <a:p>
             <a:r>
-              <a:rPr lang="en-US" sz="900" b="1" dirty="0" smtClean="0"/>
-              <a:t>Wall Cost</a:t>
-            </a:r>
+              <a:rPr lang="en-US" sz="900" b="1" dirty="0" err="1"/>
+              <a:t>w</a:t>
+            </a:r>
+            <a:r>
+              <a:rPr lang="en-US" sz="900" b="1" dirty="0" err="1" smtClean="0"/>
+              <a:t>allCost</a:t>
+            </a:r>
+            <a:endParaRPr lang="en-US" sz="900" b="1" dirty="0" smtClean="0"/>
           </a:p>
           <a:p>
             <a:r>
@@ -3824,7 +3872,7 @@
           <a:p>
             <a:r>
               <a:rPr lang="en-US" sz="900" b="1" dirty="0" smtClean="0"/>
-              <a:t>18:3</a:t>
+              <a:t>18:4</a:t>
             </a:r>
           </a:p>
           <a:p>
@@ -3849,7 +3897,7 @@
         </p:nvSpPr>
         <p:spPr>
           <a:xfrm>
-            <a:off x="3439331" y="5222119"/>
+            <a:off x="3696885" y="5578774"/>
             <a:ext cx="1563861" cy="507831"/>
           </a:xfrm>
           <a:prstGeom prst="rect">
@@ -3876,9 +3924,10 @@
           <a:lstStyle/>
           <a:p>
             <a:r>
-              <a:rPr lang="en-US" sz="900" b="1" dirty="0" smtClean="0"/>
-              <a:t>Purchase Private Property</a:t>
-            </a:r>
+              <a:rPr lang="en-US" sz="900" b="1" dirty="0" err="1" smtClean="0"/>
+              <a:t>purchasePrivateProperty</a:t>
+            </a:r>
+            <a:endParaRPr lang="en-US" sz="900" b="1" dirty="0" smtClean="0"/>
           </a:p>
           <a:p>
             <a:r>
@@ -3942,7 +3991,7 @@
         <p:spPr>
           <a:xfrm flipH="1">
             <a:off x="2528370" y="754495"/>
-            <a:ext cx="2012324" cy="674398"/>
+            <a:ext cx="1999500" cy="674398"/>
           </a:xfrm>
           <a:prstGeom prst="line">
             <a:avLst/>
@@ -3977,8 +4026,8 @@
         </p:nvCxnSpPr>
         <p:spPr>
           <a:xfrm>
-            <a:off x="4540694" y="754495"/>
-            <a:ext cx="100192" cy="544906"/>
+            <a:off x="4527870" y="754495"/>
+            <a:ext cx="113016" cy="544906"/>
           </a:xfrm>
           <a:prstGeom prst="line">
             <a:avLst/>
@@ -4013,8 +4062,8 @@
         </p:nvCxnSpPr>
         <p:spPr>
           <a:xfrm>
-            <a:off x="4540694" y="754495"/>
-            <a:ext cx="2575711" cy="693649"/>
+            <a:off x="4527870" y="754495"/>
+            <a:ext cx="2588535" cy="693649"/>
           </a:xfrm>
           <a:prstGeom prst="line">
             <a:avLst/>
@@ -4331,14 +4380,258 @@
           <p:cNvPr id="68" name="Straight Connector 67"/>
           <p:cNvCxnSpPr>
             <a:stCxn id="12" idx="2"/>
+            <a:endCxn id="72" idx="0"/>
+          </p:cNvCxnSpPr>
+          <p:nvPr/>
+        </p:nvCxnSpPr>
+        <p:spPr>
+          <a:xfrm>
+            <a:off x="2207387" y="4221512"/>
+            <a:ext cx="2271429" cy="405305"/>
+          </a:xfrm>
+          <a:prstGeom prst="line">
+            <a:avLst/>
+          </a:prstGeom>
+          <a:ln>
+            <a:tailEnd type="triangle" w="lg"/>
+          </a:ln>
+        </p:spPr>
+        <p:style>
+          <a:lnRef idx="2">
+            <a:schemeClr val="accent1"/>
+          </a:lnRef>
+          <a:fillRef idx="0">
+            <a:schemeClr val="accent1"/>
+          </a:fillRef>
+          <a:effectRef idx="1">
+            <a:schemeClr val="accent1"/>
+          </a:effectRef>
+          <a:fontRef idx="minor">
+            <a:schemeClr val="tx1"/>
+          </a:fontRef>
+        </p:style>
+      </p:cxnSp>
+      <p:sp>
+        <p:nvSpPr>
+          <p:cNvPr id="71" name="TextBox 70"/>
+          <p:cNvSpPr txBox="1"/>
+          <p:nvPr/>
+        </p:nvSpPr>
+        <p:spPr>
+          <a:xfrm>
+            <a:off x="5654629" y="5578774"/>
+            <a:ext cx="1013743" cy="369332"/>
+          </a:xfrm>
+          <a:prstGeom prst="rect">
+            <a:avLst/>
+          </a:prstGeom>
+          <a:solidFill>
+            <a:schemeClr val="tx2">
+              <a:lumMod val="20000"/>
+              <a:lumOff val="80000"/>
+            </a:schemeClr>
+          </a:solidFill>
+          <a:ln w="19050">
+            <a:solidFill>
+              <a:schemeClr val="tx2">
+                <a:lumMod val="75000"/>
+              </a:schemeClr>
+            </a:solidFill>
+          </a:ln>
+        </p:spPr>
+        <p:txBody>
+          <a:bodyPr wrap="square" rtlCol="0">
+            <a:spAutoFit/>
+          </a:bodyPr>
+          <a:lstStyle/>
+          <a:p>
+            <a:r>
+              <a:rPr lang="en-US" sz="900" b="1" dirty="0" smtClean="0"/>
+              <a:t>National Parks</a:t>
+            </a:r>
+          </a:p>
+          <a:p>
+            <a:r>
+              <a:rPr lang="en-US" sz="900" b="1" dirty="0" smtClean="0"/>
+              <a:t>89:1</a:t>
+            </a:r>
+          </a:p>
+        </p:txBody>
+      </p:sp>
+      <p:sp>
+        <p:nvSpPr>
+          <p:cNvPr id="72" name="TextBox 71"/>
+          <p:cNvSpPr txBox="1"/>
+          <p:nvPr/>
+        </p:nvSpPr>
+        <p:spPr>
+          <a:xfrm>
+            <a:off x="3971944" y="4626817"/>
+            <a:ext cx="1013743" cy="230832"/>
+          </a:xfrm>
+          <a:prstGeom prst="rect">
+            <a:avLst/>
+          </a:prstGeom>
+          <a:solidFill>
+            <a:schemeClr val="tx2">
+              <a:lumMod val="20000"/>
+              <a:lumOff val="80000"/>
+            </a:schemeClr>
+          </a:solidFill>
+          <a:ln w="19050">
+            <a:solidFill>
+              <a:schemeClr val="tx2">
+                <a:lumMod val="75000"/>
+              </a:schemeClr>
+            </a:solidFill>
+          </a:ln>
+        </p:spPr>
+        <p:txBody>
+          <a:bodyPr wrap="square" rtlCol="0">
+            <a:spAutoFit/>
+          </a:bodyPr>
+          <a:lstStyle/>
+          <a:p>
+            <a:r>
+              <a:rPr lang="en-US" sz="900" b="1" dirty="0" err="1" smtClean="0"/>
+              <a:t>landUse</a:t>
+            </a:r>
+            <a:endParaRPr lang="en-US" sz="900" b="1" dirty="0" smtClean="0"/>
+          </a:p>
+        </p:txBody>
+      </p:sp>
+      <p:sp>
+        <p:nvSpPr>
+          <p:cNvPr id="73" name="TextBox 72"/>
+          <p:cNvSpPr txBox="1"/>
+          <p:nvPr/>
+        </p:nvSpPr>
+        <p:spPr>
+          <a:xfrm>
+            <a:off x="6962138" y="5578774"/>
+            <a:ext cx="1013743" cy="369332"/>
+          </a:xfrm>
+          <a:prstGeom prst="rect">
+            <a:avLst/>
+          </a:prstGeom>
+          <a:solidFill>
+            <a:schemeClr val="tx2">
+              <a:lumMod val="20000"/>
+              <a:lumOff val="80000"/>
+            </a:schemeClr>
+          </a:solidFill>
+          <a:ln w="19050">
+            <a:solidFill>
+              <a:schemeClr val="tx2">
+                <a:lumMod val="75000"/>
+              </a:schemeClr>
+            </a:solidFill>
+          </a:ln>
+        </p:spPr>
+        <p:txBody>
+          <a:bodyPr wrap="square" rtlCol="0">
+            <a:spAutoFit/>
+          </a:bodyPr>
+          <a:lstStyle/>
+          <a:p>
+            <a:r>
+              <a:rPr lang="en-US" sz="900" b="1" dirty="0" smtClean="0"/>
+              <a:t>Environment</a:t>
+            </a:r>
+          </a:p>
+          <a:p>
+            <a:r>
+              <a:rPr lang="en-US" sz="900" b="1" dirty="0" smtClean="0"/>
+              <a:t>89:1</a:t>
+            </a:r>
+          </a:p>
+        </p:txBody>
+      </p:sp>
+      <p:cxnSp>
+        <p:nvCxnSpPr>
+          <p:cNvPr id="77" name="Straight Connector 76"/>
+          <p:cNvCxnSpPr>
+            <a:stCxn id="72" idx="2"/>
+            <a:endCxn id="73" idx="0"/>
+          </p:cNvCxnSpPr>
+          <p:nvPr/>
+        </p:nvCxnSpPr>
+        <p:spPr>
+          <a:xfrm>
+            <a:off x="4478816" y="4857649"/>
+            <a:ext cx="2990194" cy="721125"/>
+          </a:xfrm>
+          <a:prstGeom prst="line">
+            <a:avLst/>
+          </a:prstGeom>
+          <a:ln>
+            <a:tailEnd type="triangle" w="lg"/>
+          </a:ln>
+        </p:spPr>
+        <p:style>
+          <a:lnRef idx="2">
+            <a:schemeClr val="accent1"/>
+          </a:lnRef>
+          <a:fillRef idx="0">
+            <a:schemeClr val="accent1"/>
+          </a:fillRef>
+          <a:effectRef idx="1">
+            <a:schemeClr val="accent1"/>
+          </a:effectRef>
+          <a:fontRef idx="minor">
+            <a:schemeClr val="tx1"/>
+          </a:fontRef>
+        </p:style>
+      </p:cxnSp>
+      <p:cxnSp>
+        <p:nvCxnSpPr>
+          <p:cNvPr id="80" name="Straight Connector 79"/>
+          <p:cNvCxnSpPr>
+            <a:stCxn id="72" idx="2"/>
+            <a:endCxn id="71" idx="0"/>
+          </p:cNvCxnSpPr>
+          <p:nvPr/>
+        </p:nvCxnSpPr>
+        <p:spPr>
+          <a:xfrm>
+            <a:off x="4478816" y="4857649"/>
+            <a:ext cx="1682685" cy="721125"/>
+          </a:xfrm>
+          <a:prstGeom prst="line">
+            <a:avLst/>
+          </a:prstGeom>
+          <a:ln>
+            <a:tailEnd type="triangle" w="lg"/>
+          </a:ln>
+        </p:spPr>
+        <p:style>
+          <a:lnRef idx="2">
+            <a:schemeClr val="accent1"/>
+          </a:lnRef>
+          <a:fillRef idx="0">
+            <a:schemeClr val="accent1"/>
+          </a:fillRef>
+          <a:effectRef idx="1">
+            <a:schemeClr val="accent1"/>
+          </a:effectRef>
+          <a:fontRef idx="minor">
+            <a:schemeClr val="tx1"/>
+          </a:fontRef>
+        </p:style>
+      </p:cxnSp>
+      <p:cxnSp>
+        <p:nvCxnSpPr>
+          <p:cNvPr id="83" name="Straight Connector 82"/>
+          <p:cNvCxnSpPr>
+            <a:stCxn id="72" idx="2"/>
             <a:endCxn id="18" idx="0"/>
           </p:cNvCxnSpPr>
           <p:nvPr/>
         </p:nvCxnSpPr>
         <p:spPr>
           <a:xfrm>
-            <a:off x="2207387" y="4221512"/>
-            <a:ext cx="2013875" cy="1000607"/>
+            <a:off x="4478816" y="4857649"/>
+            <a:ext cx="0" cy="721125"/>
           </a:xfrm>
           <a:prstGeom prst="line">
             <a:avLst/>
@@ -4465,7 +4758,7 @@
         </p:nvSpPr>
         <p:spPr>
           <a:xfrm>
-            <a:off x="5607378" y="3160409"/>
+            <a:off x="5017841" y="3152962"/>
             <a:ext cx="1179075" cy="646331"/>
           </a:xfrm>
           <a:prstGeom prst="rect">
@@ -4518,14 +4811,14 @@
       </p:sp>
       <p:sp>
         <p:nvSpPr>
-          <p:cNvPr id="6" name="TextBox 5"/>
+          <p:cNvPr id="8" name="TextBox 7"/>
           <p:cNvSpPr txBox="1"/>
           <p:nvPr/>
         </p:nvSpPr>
         <p:spPr>
           <a:xfrm>
-            <a:off x="5238462" y="4546332"/>
-            <a:ext cx="1013743" cy="507831"/>
+            <a:off x="7161129" y="153776"/>
+            <a:ext cx="1302669" cy="507831"/>
           </a:xfrm>
           <a:prstGeom prst="rect">
             <a:avLst/>
@@ -4552,27 +4845,27 @@
           <a:p>
             <a:r>
               <a:rPr lang="en-US" sz="900" b="1" dirty="0" smtClean="0"/>
-              <a:t>SK Consent for Military Action</a:t>
-            </a:r>
-          </a:p>
-          <a:p>
-            <a:r>
-              <a:rPr lang="en-US" sz="900" b="1" dirty="0" smtClean="0"/>
-              <a:t>66:1</a:t>
-            </a:r>
-          </a:p>
-        </p:txBody>
-      </p:sp>
-      <p:sp>
-        <p:nvSpPr>
-          <p:cNvPr id="8" name="TextBox 7"/>
+              <a:t>Reduced US Asian Influence</a:t>
+            </a:r>
+          </a:p>
+          <a:p>
+            <a:r>
+              <a:rPr lang="en-US" sz="900" b="1" dirty="0" smtClean="0"/>
+              <a:t>80:2</a:t>
+            </a:r>
+          </a:p>
+        </p:txBody>
+      </p:sp>
+      <p:sp>
+        <p:nvSpPr>
+          <p:cNvPr id="9" name="TextBox 8"/>
           <p:cNvSpPr txBox="1"/>
           <p:nvPr/>
         </p:nvSpPr>
         <p:spPr>
           <a:xfrm>
-            <a:off x="7161129" y="153776"/>
-            <a:ext cx="1302669" cy="507831"/>
+            <a:off x="352736" y="4337624"/>
+            <a:ext cx="1149557" cy="646331"/>
           </a:xfrm>
           <a:prstGeom prst="rect">
             <a:avLst/>
@@ -4598,28 +4891,44 @@
           <a:lstStyle/>
           <a:p>
             <a:r>
-              <a:rPr lang="en-US" sz="900" b="1" dirty="0" smtClean="0"/>
-              <a:t>Reduced US Asian Influence</a:t>
-            </a:r>
-          </a:p>
-          <a:p>
-            <a:r>
-              <a:rPr lang="en-US" sz="900" b="1" dirty="0" smtClean="0"/>
-              <a:t>80:2</a:t>
-            </a:r>
-          </a:p>
-        </p:txBody>
-      </p:sp>
-      <p:sp>
-        <p:nvSpPr>
-          <p:cNvPr id="9" name="TextBox 8"/>
+              <a:rPr lang="en-US" sz="900" b="1" dirty="0" err="1" smtClean="0"/>
+              <a:t>Tillerson</a:t>
+            </a:r>
+            <a:r>
+              <a:rPr lang="en-US" sz="900" b="1" dirty="0" smtClean="0"/>
+              <a:t> warns NK</a:t>
+            </a:r>
+          </a:p>
+          <a:p>
+            <a:r>
+              <a:rPr lang="en-US" sz="900" b="1" dirty="0" smtClean="0"/>
+              <a:t>38:4</a:t>
+            </a:r>
+          </a:p>
+          <a:p>
+            <a:r>
+              <a:rPr lang="en-US" sz="900" b="1" dirty="0" smtClean="0"/>
+              <a:t>66:3</a:t>
+            </a:r>
+          </a:p>
+          <a:p>
+            <a:r>
+              <a:rPr lang="en-US" sz="900" b="1" dirty="0" smtClean="0"/>
+              <a:t>80:1</a:t>
+            </a:r>
+          </a:p>
+        </p:txBody>
+      </p:sp>
+      <p:sp>
+        <p:nvSpPr>
+          <p:cNvPr id="10" name="TextBox 9"/>
           <p:cNvSpPr txBox="1"/>
           <p:nvPr/>
         </p:nvSpPr>
         <p:spPr>
           <a:xfrm>
-            <a:off x="352736" y="4337624"/>
-            <a:ext cx="1149557" cy="646331"/>
+            <a:off x="1729521" y="4337624"/>
+            <a:ext cx="1013743" cy="507831"/>
           </a:xfrm>
           <a:prstGeom prst="rect">
             <a:avLst/>
@@ -4645,44 +4954,34 @@
           <a:lstStyle/>
           <a:p>
             <a:r>
-              <a:rPr lang="en-US" sz="900" b="1" dirty="0" err="1" smtClean="0"/>
-              <a:t>Tillerson</a:t>
-            </a:r>
-            <a:r>
-              <a:rPr lang="en-US" sz="900" b="1" dirty="0" smtClean="0"/>
-              <a:t> warns NK</a:t>
-            </a:r>
-          </a:p>
-          <a:p>
-            <a:r>
-              <a:rPr lang="en-US" sz="900" b="1" dirty="0" smtClean="0"/>
-              <a:t>38:4</a:t>
-            </a:r>
-          </a:p>
-          <a:p>
-            <a:r>
-              <a:rPr lang="en-US" sz="900" b="1" dirty="0" smtClean="0"/>
-              <a:t>66:3</a:t>
-            </a:r>
-          </a:p>
-          <a:p>
-            <a:r>
-              <a:rPr lang="en-US" sz="900" b="1" dirty="0" smtClean="0"/>
-              <a:t>80:1</a:t>
-            </a:r>
-          </a:p>
-        </p:txBody>
-      </p:sp>
-      <p:sp>
-        <p:nvSpPr>
-          <p:cNvPr id="10" name="TextBox 9"/>
+              <a:rPr lang="en-US" sz="900" b="1" dirty="0" smtClean="0"/>
+              <a:t>Trump warns NK</a:t>
+            </a:r>
+          </a:p>
+          <a:p>
+            <a:r>
+              <a:rPr lang="en-US" sz="900" b="1" dirty="0" smtClean="0"/>
+              <a:t>38:1</a:t>
+            </a:r>
+          </a:p>
+          <a:p>
+            <a:r>
+              <a:rPr lang="en-US" sz="900" b="1" dirty="0" smtClean="0"/>
+              <a:t>80:2</a:t>
+            </a:r>
+          </a:p>
+        </p:txBody>
+      </p:sp>
+      <p:sp>
+        <p:nvSpPr>
+          <p:cNvPr id="11" name="TextBox 10"/>
           <p:cNvSpPr txBox="1"/>
           <p:nvPr/>
         </p:nvSpPr>
         <p:spPr>
           <a:xfrm>
-            <a:off x="1729521" y="4337624"/>
-            <a:ext cx="1013743" cy="507831"/>
+            <a:off x="2981996" y="4337624"/>
+            <a:ext cx="1013743" cy="646331"/>
           </a:xfrm>
           <a:prstGeom prst="rect">
             <a:avLst/>
@@ -4709,7 +5008,7 @@
           <a:p>
             <a:r>
               <a:rPr lang="en-US" sz="900" b="1" dirty="0" smtClean="0"/>
-              <a:t>Trump warns NK</a:t>
+              <a:t>Trump proposes NK Summit</a:t>
             </a:r>
           </a:p>
           <a:p>
@@ -4721,21 +5020,21 @@
           <a:p>
             <a:r>
               <a:rPr lang="en-US" sz="900" b="1" dirty="0" smtClean="0"/>
-              <a:t>80:2</a:t>
-            </a:r>
-          </a:p>
-        </p:txBody>
-      </p:sp>
-      <p:sp>
-        <p:nvSpPr>
-          <p:cNvPr id="11" name="TextBox 10"/>
+              <a:t>103:8</a:t>
+            </a:r>
+          </a:p>
+        </p:txBody>
+      </p:sp>
+      <p:sp>
+        <p:nvSpPr>
+          <p:cNvPr id="13" name="TextBox 12"/>
           <p:cNvSpPr txBox="1"/>
           <p:nvPr/>
         </p:nvSpPr>
         <p:spPr>
           <a:xfrm>
-            <a:off x="2981996" y="4337624"/>
-            <a:ext cx="1013743" cy="646331"/>
+            <a:off x="1651513" y="5181110"/>
+            <a:ext cx="1013743" cy="507831"/>
           </a:xfrm>
           <a:prstGeom prst="rect">
             <a:avLst/>
@@ -4761,8 +5060,12 @@
           <a:lstStyle/>
           <a:p>
             <a:r>
-              <a:rPr lang="en-US" sz="900" b="1" dirty="0" smtClean="0"/>
-              <a:t>Trump proposes NK Summit</a:t>
+              <a:rPr lang="en-US" sz="900" b="1" dirty="0" err="1" smtClean="0"/>
+              <a:t>Tillerson</a:t>
+            </a:r>
+            <a:r>
+              <a:rPr lang="en-US" sz="900" b="1" dirty="0" smtClean="0"/>
+              <a:t> visits SK</a:t>
             </a:r>
           </a:p>
           <a:p>
@@ -4774,21 +5077,21 @@
           <a:p>
             <a:r>
               <a:rPr lang="en-US" sz="900" b="1" dirty="0" smtClean="0"/>
-              <a:t>103:1</a:t>
-            </a:r>
-          </a:p>
-        </p:txBody>
-      </p:sp>
-      <p:sp>
-        <p:nvSpPr>
-          <p:cNvPr id="13" name="TextBox 12"/>
+              <a:t>66:1</a:t>
+            </a:r>
+          </a:p>
+        </p:txBody>
+      </p:sp>
+      <p:sp>
+        <p:nvSpPr>
+          <p:cNvPr id="14" name="TextBox 13"/>
           <p:cNvSpPr txBox="1"/>
           <p:nvPr/>
         </p:nvSpPr>
         <p:spPr>
           <a:xfrm>
-            <a:off x="1651513" y="5181110"/>
-            <a:ext cx="1013743" cy="507831"/>
+            <a:off x="7199411" y="839525"/>
+            <a:ext cx="1013743" cy="646331"/>
           </a:xfrm>
           <a:prstGeom prst="rect">
             <a:avLst/>
@@ -4814,18 +5117,8 @@
           <a:lstStyle/>
           <a:p>
             <a:r>
-              <a:rPr lang="en-US" sz="900" b="1" dirty="0" err="1" smtClean="0"/>
-              <a:t>Tillerson</a:t>
-            </a:r>
-            <a:r>
-              <a:rPr lang="en-US" sz="900" b="1" dirty="0" smtClean="0"/>
-              <a:t> visits SK</a:t>
-            </a:r>
-          </a:p>
-          <a:p>
-            <a:r>
-              <a:rPr lang="en-US" sz="900" b="1" dirty="0" smtClean="0"/>
-              <a:t>38:1</a:t>
+              <a:rPr lang="en-US" sz="900" b="1" dirty="0" smtClean="0"/>
+              <a:t>NK looks to gain status</a:t>
             </a:r>
           </a:p>
           <a:p>
@@ -4834,18 +5127,24 @@
               <a:t>66:1</a:t>
             </a:r>
           </a:p>
-        </p:txBody>
-      </p:sp>
-      <p:sp>
-        <p:nvSpPr>
-          <p:cNvPr id="14" name="TextBox 13"/>
+          <a:p>
+            <a:r>
+              <a:rPr lang="en-US" sz="900" b="1" dirty="0" smtClean="0"/>
+              <a:t>103:3</a:t>
+            </a:r>
+          </a:p>
+        </p:txBody>
+      </p:sp>
+      <p:sp>
+        <p:nvSpPr>
+          <p:cNvPr id="17" name="TextBox 16"/>
           <p:cNvSpPr txBox="1"/>
           <p:nvPr/>
         </p:nvSpPr>
         <p:spPr>
           <a:xfrm>
-            <a:off x="7199411" y="839525"/>
-            <a:ext cx="1013743" cy="646331"/>
+            <a:off x="6271095" y="4337624"/>
+            <a:ext cx="1013743" cy="369332"/>
           </a:xfrm>
           <a:prstGeom prst="rect">
             <a:avLst/>
@@ -4871,34 +5170,29 @@
           <a:lstStyle/>
           <a:p>
             <a:r>
-              <a:rPr lang="en-US" sz="900" b="1" dirty="0" smtClean="0"/>
-              <a:t>NK looks to gain status</a:t>
-            </a:r>
-          </a:p>
-          <a:p>
-            <a:r>
-              <a:rPr lang="en-US" sz="900" b="1" dirty="0" smtClean="0"/>
-              <a:t>66:1</a:t>
-            </a:r>
-          </a:p>
-          <a:p>
-            <a:r>
-              <a:rPr lang="en-US" sz="900" b="1" dirty="0" smtClean="0"/>
-              <a:t>103:3</a:t>
-            </a:r>
-          </a:p>
-        </p:txBody>
-      </p:sp>
-      <p:sp>
-        <p:nvSpPr>
-          <p:cNvPr id="15" name="TextBox 14"/>
+              <a:rPr lang="en-US" sz="900" b="1" dirty="0" err="1" smtClean="0"/>
+              <a:t>Cyberattack</a:t>
+            </a:r>
+            <a:endParaRPr lang="en-US" sz="900" b="1" dirty="0" smtClean="0"/>
+          </a:p>
+          <a:p>
+            <a:r>
+              <a:rPr lang="en-US" sz="900" b="1" dirty="0" smtClean="0"/>
+              <a:t>66:2</a:t>
+            </a:r>
+          </a:p>
+        </p:txBody>
+      </p:sp>
+      <p:sp>
+        <p:nvSpPr>
+          <p:cNvPr id="18" name="TextBox 17"/>
           <p:cNvSpPr txBox="1"/>
           <p:nvPr/>
         </p:nvSpPr>
         <p:spPr>
           <a:xfrm>
-            <a:off x="436701" y="5789848"/>
-            <a:ext cx="1013743" cy="507831"/>
+            <a:off x="3774581" y="5181110"/>
+            <a:ext cx="1013743" cy="369332"/>
           </a:xfrm>
           <a:prstGeom prst="rect">
             <a:avLst/>
@@ -4925,35 +5219,27 @@
           <a:p>
             <a:r>
               <a:rPr lang="en-US" sz="900" b="1" dirty="0" smtClean="0"/>
-              <a:t>US solicits </a:t>
-            </a:r>
-            <a:r>
-              <a:rPr lang="en-US" sz="900" b="1" dirty="0" err="1" smtClean="0"/>
-              <a:t>chinese</a:t>
-            </a:r>
-            <a:r>
-              <a:rPr lang="en-US" sz="900" b="1" dirty="0" smtClean="0"/>
-              <a:t> help</a:t>
-            </a:r>
-          </a:p>
-          <a:p>
-            <a:r>
-              <a:rPr lang="en-US" sz="900" b="1" dirty="0" smtClean="0"/>
-              <a:t>38:3</a:t>
-            </a:r>
-          </a:p>
-        </p:txBody>
-      </p:sp>
-      <p:sp>
-        <p:nvSpPr>
-          <p:cNvPr id="17" name="TextBox 16"/>
+              <a:t>NK Deception</a:t>
+            </a:r>
+          </a:p>
+          <a:p>
+            <a:r>
+              <a:rPr lang="en-US" sz="900" b="1" dirty="0" smtClean="0"/>
+              <a:t>103:5</a:t>
+            </a:r>
+          </a:p>
+        </p:txBody>
+      </p:sp>
+      <p:sp>
+        <p:nvSpPr>
+          <p:cNvPr id="19" name="TextBox 18"/>
           <p:cNvSpPr txBox="1"/>
           <p:nvPr/>
         </p:nvSpPr>
         <p:spPr>
           <a:xfrm>
-            <a:off x="7199411" y="3727527"/>
-            <a:ext cx="1013743" cy="369332"/>
+            <a:off x="3620120" y="3152962"/>
+            <a:ext cx="1013743" cy="646331"/>
           </a:xfrm>
           <a:prstGeom prst="rect">
             <a:avLst/>
@@ -4979,10 +5265,15 @@
           <a:lstStyle/>
           <a:p>
             <a:r>
-              <a:rPr lang="en-US" sz="900" b="1" dirty="0" err="1" smtClean="0"/>
-              <a:t>Cyberattack</a:t>
-            </a:r>
-            <a:endParaRPr lang="en-US" sz="900" b="1" dirty="0" smtClean="0"/>
+              <a:rPr lang="en-US" sz="900" b="1" dirty="0" smtClean="0"/>
+              <a:t>Sanctions</a:t>
+            </a:r>
+          </a:p>
+          <a:p>
+            <a:r>
+              <a:rPr lang="en-US" sz="900" b="1" dirty="0" smtClean="0"/>
+              <a:t>38:1</a:t>
+            </a:r>
           </a:p>
           <a:p>
             <a:r>
@@ -4990,18 +5281,71 @@
               <a:t>66:2</a:t>
             </a:r>
           </a:p>
-        </p:txBody>
-      </p:sp>
-      <p:sp>
-        <p:nvSpPr>
-          <p:cNvPr id="18" name="TextBox 17"/>
+          <a:p>
+            <a:r>
+              <a:rPr lang="en-US" sz="900" b="1" dirty="0" smtClean="0"/>
+              <a:t>80:3</a:t>
+            </a:r>
+          </a:p>
+        </p:txBody>
+      </p:sp>
+      <p:sp>
+        <p:nvSpPr>
+          <p:cNvPr id="20" name="TextBox 19"/>
           <p:cNvSpPr txBox="1"/>
           <p:nvPr/>
         </p:nvSpPr>
         <p:spPr>
           <a:xfrm>
-            <a:off x="3774581" y="5181110"/>
+            <a:off x="1763292" y="3358195"/>
             <a:ext cx="1013743" cy="369332"/>
+          </a:xfrm>
+          <a:prstGeom prst="rect">
+            <a:avLst/>
+          </a:prstGeom>
+          <a:solidFill>
+            <a:schemeClr val="tx2">
+              <a:lumMod val="20000"/>
+              <a:lumOff val="80000"/>
+            </a:schemeClr>
+          </a:solidFill>
+          <a:ln w="19050" cmpd="sng">
+            <a:solidFill>
+              <a:schemeClr val="tx2">
+                <a:lumMod val="75000"/>
+              </a:schemeClr>
+            </a:solidFill>
+          </a:ln>
+        </p:spPr>
+        <p:txBody>
+          <a:bodyPr wrap="square" rtlCol="0">
+            <a:spAutoFit/>
+          </a:bodyPr>
+          <a:lstStyle/>
+          <a:p>
+            <a:r>
+              <a:rPr lang="en-US" sz="900" b="1" dirty="0" smtClean="0"/>
+              <a:t>Diplomacy</a:t>
+            </a:r>
+          </a:p>
+          <a:p>
+            <a:r>
+              <a:rPr lang="en-US" sz="900" b="1" dirty="0" smtClean="0"/>
+              <a:t>80:3</a:t>
+            </a:r>
+          </a:p>
+        </p:txBody>
+      </p:sp>
+      <p:sp>
+        <p:nvSpPr>
+          <p:cNvPr id="21" name="TextBox 20"/>
+          <p:cNvSpPr txBox="1"/>
+          <p:nvPr/>
+        </p:nvSpPr>
+        <p:spPr>
+          <a:xfrm>
+            <a:off x="5100507" y="4337624"/>
+            <a:ext cx="1013743" cy="507831"/>
           </a:xfrm>
           <a:prstGeom prst="rect">
             <a:avLst/>
@@ -5028,27 +5372,27 @@
           <a:p>
             <a:r>
               <a:rPr lang="en-US" sz="900" b="1" dirty="0" smtClean="0"/>
-              <a:t>NK Deception</a:t>
-            </a:r>
-          </a:p>
-          <a:p>
-            <a:r>
-              <a:rPr lang="en-US" sz="900" b="1" dirty="0" smtClean="0"/>
-              <a:t>103:5</a:t>
-            </a:r>
-          </a:p>
-        </p:txBody>
-      </p:sp>
-      <p:sp>
-        <p:nvSpPr>
-          <p:cNvPr id="19" name="TextBox 18"/>
+              <a:t>Preventative War Opponents</a:t>
+            </a:r>
+          </a:p>
+          <a:p>
+            <a:r>
+              <a:rPr lang="en-US" sz="900" b="1" dirty="0" smtClean="0"/>
+              <a:t>66:2</a:t>
+            </a:r>
+          </a:p>
+        </p:txBody>
+      </p:sp>
+      <p:sp>
+        <p:nvSpPr>
+          <p:cNvPr id="22" name="TextBox 21"/>
           <p:cNvSpPr txBox="1"/>
           <p:nvPr/>
         </p:nvSpPr>
         <p:spPr>
           <a:xfrm>
-            <a:off x="3620120" y="3152962"/>
-            <a:ext cx="1013743" cy="646331"/>
+            <a:off x="1222649" y="292275"/>
+            <a:ext cx="1013743" cy="507831"/>
           </a:xfrm>
           <a:prstGeom prst="rect">
             <a:avLst/>
@@ -5075,86 +5419,27 @@
           <a:p>
             <a:r>
               <a:rPr lang="en-US" sz="900" b="1" dirty="0" smtClean="0"/>
-              <a:t>Sanctions</a:t>
-            </a:r>
-          </a:p>
-          <a:p>
-            <a:r>
-              <a:rPr lang="en-US" sz="900" b="1" dirty="0" smtClean="0"/>
-              <a:t>38:1</a:t>
-            </a:r>
-          </a:p>
-          <a:p>
-            <a:r>
-              <a:rPr lang="en-US" sz="900" b="1" dirty="0" smtClean="0"/>
-              <a:t>66:2</a:t>
-            </a:r>
-          </a:p>
-          <a:p>
-            <a:r>
-              <a:rPr lang="en-US" sz="900" b="1" dirty="0" smtClean="0"/>
-              <a:t>80:1</a:t>
-            </a:r>
-          </a:p>
-        </p:txBody>
-      </p:sp>
-      <p:sp>
-        <p:nvSpPr>
-          <p:cNvPr id="20" name="TextBox 19"/>
+              <a:t>NK Military Preparedness</a:t>
+            </a:r>
+          </a:p>
+          <a:p>
+            <a:r>
+              <a:rPr lang="en-US" sz="900" b="1" dirty="0" smtClean="0"/>
+              <a:t>66:1</a:t>
+            </a:r>
+          </a:p>
+        </p:txBody>
+      </p:sp>
+      <p:sp>
+        <p:nvSpPr>
+          <p:cNvPr id="23" name="TextBox 22"/>
           <p:cNvSpPr txBox="1"/>
           <p:nvPr/>
         </p:nvSpPr>
         <p:spPr>
           <a:xfrm>
-            <a:off x="1763292" y="3358195"/>
-            <a:ext cx="1013743" cy="369332"/>
-          </a:xfrm>
-          <a:prstGeom prst="rect">
-            <a:avLst/>
-          </a:prstGeom>
-          <a:solidFill>
-            <a:schemeClr val="tx2">
-              <a:lumMod val="20000"/>
-              <a:lumOff val="80000"/>
-            </a:schemeClr>
-          </a:solidFill>
-          <a:ln w="19050" cmpd="sng">
-            <a:solidFill>
-              <a:schemeClr val="tx2">
-                <a:lumMod val="75000"/>
-              </a:schemeClr>
-            </a:solidFill>
-          </a:ln>
-        </p:spPr>
-        <p:txBody>
-          <a:bodyPr wrap="square" rtlCol="0">
-            <a:spAutoFit/>
-          </a:bodyPr>
-          <a:lstStyle/>
-          <a:p>
-            <a:r>
-              <a:rPr lang="en-US" sz="900" b="1" dirty="0" smtClean="0"/>
-              <a:t>Diplomacy</a:t>
-            </a:r>
-          </a:p>
-          <a:p>
-            <a:r>
-              <a:rPr lang="en-US" sz="900" b="1" dirty="0" smtClean="0"/>
-              <a:t>80:3</a:t>
-            </a:r>
-          </a:p>
-        </p:txBody>
-      </p:sp>
-      <p:sp>
-        <p:nvSpPr>
-          <p:cNvPr id="21" name="TextBox 20"/>
-          <p:cNvSpPr txBox="1"/>
-          <p:nvPr/>
-        </p:nvSpPr>
-        <p:spPr>
-          <a:xfrm>
-            <a:off x="6692539" y="4546332"/>
-            <a:ext cx="1013743" cy="507831"/>
+            <a:off x="3460143" y="1849092"/>
+            <a:ext cx="1328181" cy="784830"/>
           </a:xfrm>
           <a:prstGeom prst="rect">
             <a:avLst/>
@@ -5180,106 +5465,8 @@
           <a:lstStyle/>
           <a:p>
             <a:r>
-              <a:rPr lang="en-US" sz="900" b="1" dirty="0" smtClean="0"/>
-              <a:t>Preventative War Opponents</a:t>
-            </a:r>
-          </a:p>
-          <a:p>
-            <a:r>
-              <a:rPr lang="en-US" sz="900" b="1" dirty="0" smtClean="0"/>
-              <a:t>66:2</a:t>
-            </a:r>
-          </a:p>
-        </p:txBody>
-      </p:sp>
-      <p:sp>
-        <p:nvSpPr>
-          <p:cNvPr id="22" name="TextBox 21"/>
-          <p:cNvSpPr txBox="1"/>
-          <p:nvPr/>
-        </p:nvSpPr>
-        <p:spPr>
-          <a:xfrm>
-            <a:off x="1222649" y="292275"/>
-            <a:ext cx="1013743" cy="507831"/>
-          </a:xfrm>
-          <a:prstGeom prst="rect">
-            <a:avLst/>
-          </a:prstGeom>
-          <a:solidFill>
-            <a:schemeClr val="tx2">
-              <a:lumMod val="20000"/>
-              <a:lumOff val="80000"/>
-            </a:schemeClr>
-          </a:solidFill>
-          <a:ln w="19050">
-            <a:solidFill>
-              <a:schemeClr val="tx2">
-                <a:lumMod val="75000"/>
-              </a:schemeClr>
-            </a:solidFill>
-          </a:ln>
-        </p:spPr>
-        <p:txBody>
-          <a:bodyPr wrap="square" rtlCol="0">
-            <a:spAutoFit/>
-          </a:bodyPr>
-          <a:lstStyle/>
-          <a:p>
-            <a:r>
-              <a:rPr lang="en-US" sz="900" b="1" dirty="0" smtClean="0"/>
-              <a:t>NK Military Preparedness</a:t>
-            </a:r>
-          </a:p>
-          <a:p>
-            <a:r>
-              <a:rPr lang="en-US" sz="900" b="1" dirty="0" smtClean="0"/>
-              <a:t>66:1</a:t>
-            </a:r>
-          </a:p>
-        </p:txBody>
-      </p:sp>
-      <p:sp>
-        <p:nvSpPr>
-          <p:cNvPr id="23" name="TextBox 22"/>
-          <p:cNvSpPr txBox="1"/>
-          <p:nvPr/>
-        </p:nvSpPr>
-        <p:spPr>
-          <a:xfrm>
-            <a:off x="3460143" y="1849092"/>
-            <a:ext cx="1328181" cy="784830"/>
-          </a:xfrm>
-          <a:prstGeom prst="rect">
-            <a:avLst/>
-          </a:prstGeom>
-          <a:solidFill>
-            <a:schemeClr val="tx2">
-              <a:lumMod val="20000"/>
-              <a:lumOff val="80000"/>
-            </a:schemeClr>
-          </a:solidFill>
-          <a:ln w="19050">
-            <a:solidFill>
-              <a:schemeClr val="tx2">
-                <a:lumMod val="75000"/>
-              </a:schemeClr>
-            </a:solidFill>
-          </a:ln>
-        </p:spPr>
-        <p:txBody>
-          <a:bodyPr wrap="square" rtlCol="0">
-            <a:spAutoFit/>
-          </a:bodyPr>
-          <a:lstStyle/>
-          <a:p>
-            <a:r>
-              <a:rPr lang="en-US" sz="900" b="1" dirty="0" smtClean="0"/>
-              <a:t>NK </a:t>
-            </a:r>
-            <a:r>
-              <a:rPr lang="en-US" sz="900" b="1" dirty="0" err="1" smtClean="0"/>
-              <a:t>Denuclearizization</a:t>
+              <a:rPr lang="en-US" sz="900" b="1" smtClean="0"/>
+              <a:t>NK Denuclearization</a:t>
             </a:r>
             <a:endParaRPr lang="en-US" sz="900" b="1" dirty="0" smtClean="0"/>
           </a:p>
@@ -5305,53 +5492,6 @@
             <a:r>
               <a:rPr lang="en-US" sz="900" b="1" dirty="0" smtClean="0"/>
               <a:t>103:5</a:t>
-            </a:r>
-          </a:p>
-        </p:txBody>
-      </p:sp>
-      <p:sp>
-        <p:nvSpPr>
-          <p:cNvPr id="24" name="TextBox 23"/>
-          <p:cNvSpPr txBox="1"/>
-          <p:nvPr/>
-        </p:nvSpPr>
-        <p:spPr>
-          <a:xfrm>
-            <a:off x="1729521" y="6260369"/>
-            <a:ext cx="1212602" cy="369332"/>
-          </a:xfrm>
-          <a:prstGeom prst="rect">
-            <a:avLst/>
-          </a:prstGeom>
-          <a:solidFill>
-            <a:schemeClr val="tx2">
-              <a:lumMod val="20000"/>
-              <a:lumOff val="80000"/>
-            </a:schemeClr>
-          </a:solidFill>
-          <a:ln w="19050">
-            <a:solidFill>
-              <a:schemeClr val="tx2">
-                <a:lumMod val="75000"/>
-              </a:schemeClr>
-            </a:solidFill>
-          </a:ln>
-        </p:spPr>
-        <p:txBody>
-          <a:bodyPr wrap="square" rtlCol="0">
-            <a:spAutoFit/>
-          </a:bodyPr>
-          <a:lstStyle/>
-          <a:p>
-            <a:r>
-              <a:rPr lang="en-US" sz="900" b="1" dirty="0" smtClean="0"/>
-              <a:t>SK Missile Defense</a:t>
-            </a:r>
-          </a:p>
-          <a:p>
-            <a:r>
-              <a:rPr lang="en-US" sz="900" b="1" dirty="0" smtClean="0"/>
-              <a:t>38:2</a:t>
             </a:r>
           </a:p>
         </p:txBody>
@@ -5512,7 +5652,7 @@
         <p:spPr>
           <a:xfrm>
             <a:off x="4124234" y="2633922"/>
-            <a:ext cx="2072682" cy="526487"/>
+            <a:ext cx="1483145" cy="519040"/>
           </a:xfrm>
           <a:prstGeom prst="line">
             <a:avLst/>
@@ -5540,18 +5680,20 @@
         <p:nvCxnSpPr>
           <p:cNvPr id="50" name="Elbow Connector 49"/>
           <p:cNvCxnSpPr>
-            <a:stCxn id="5" idx="3"/>
+            <a:stCxn id="5" idx="2"/>
             <a:endCxn id="17" idx="0"/>
           </p:cNvCxnSpPr>
           <p:nvPr/>
         </p:nvCxnSpPr>
         <p:spPr>
-          <a:xfrm>
-            <a:off x="6786453" y="3483575"/>
-            <a:ext cx="919830" cy="243952"/>
-          </a:xfrm>
-          <a:prstGeom prst="bentConnector2">
-            <a:avLst/>
+          <a:xfrm rot="16200000" flipH="1">
+            <a:off x="5923508" y="3483164"/>
+            <a:ext cx="538331" cy="1170588"/>
+          </a:xfrm>
+          <a:prstGeom prst="bentConnector3">
+            <a:avLst>
+              <a:gd name="adj1" fmla="val 50000"/>
+            </a:avLst>
           </a:prstGeom>
           <a:ln>
             <a:tailEnd type="triangle" w="lg"/>
@@ -5682,78 +5824,6 @@
       </p:cxnSp>
       <p:cxnSp>
         <p:nvCxnSpPr>
-          <p:cNvPr id="72" name="Elbow Connector 71"/>
-          <p:cNvCxnSpPr>
-            <a:stCxn id="13" idx="1"/>
-            <a:endCxn id="15" idx="0"/>
-          </p:cNvCxnSpPr>
-          <p:nvPr/>
-        </p:nvCxnSpPr>
-        <p:spPr>
-          <a:xfrm rot="10800000" flipV="1">
-            <a:off x="943573" y="5435026"/>
-            <a:ext cx="707940" cy="354822"/>
-          </a:xfrm>
-          <a:prstGeom prst="bentConnector2">
-            <a:avLst/>
-          </a:prstGeom>
-          <a:ln>
-            <a:tailEnd type="triangle" w="lg"/>
-          </a:ln>
-        </p:spPr>
-        <p:style>
-          <a:lnRef idx="2">
-            <a:schemeClr val="accent1"/>
-          </a:lnRef>
-          <a:fillRef idx="0">
-            <a:schemeClr val="accent1"/>
-          </a:fillRef>
-          <a:effectRef idx="1">
-            <a:schemeClr val="accent1"/>
-          </a:effectRef>
-          <a:fontRef idx="minor">
-            <a:schemeClr val="tx1"/>
-          </a:fontRef>
-        </p:style>
-      </p:cxnSp>
-      <p:cxnSp>
-        <p:nvCxnSpPr>
-          <p:cNvPr id="75" name="Straight Connector 74"/>
-          <p:cNvCxnSpPr>
-            <a:stCxn id="5" idx="2"/>
-            <a:endCxn id="6" idx="0"/>
-          </p:cNvCxnSpPr>
-          <p:nvPr/>
-        </p:nvCxnSpPr>
-        <p:spPr>
-          <a:xfrm flipH="1">
-            <a:off x="5745334" y="3806740"/>
-            <a:ext cx="451582" cy="739592"/>
-          </a:xfrm>
-          <a:prstGeom prst="line">
-            <a:avLst/>
-          </a:prstGeom>
-          <a:ln>
-            <a:tailEnd type="triangle" w="lg"/>
-          </a:ln>
-        </p:spPr>
-        <p:style>
-          <a:lnRef idx="2">
-            <a:schemeClr val="accent1"/>
-          </a:lnRef>
-          <a:fillRef idx="0">
-            <a:schemeClr val="accent1"/>
-          </a:fillRef>
-          <a:effectRef idx="1">
-            <a:schemeClr val="accent1"/>
-          </a:effectRef>
-          <a:fontRef idx="minor">
-            <a:schemeClr val="tx1"/>
-          </a:fontRef>
-        </p:style>
-      </p:cxnSp>
-      <p:cxnSp>
-        <p:nvCxnSpPr>
           <p:cNvPr id="78" name="Straight Connector 77"/>
           <p:cNvCxnSpPr>
             <a:stCxn id="5" idx="2"/>
@@ -5763,8 +5833,8 @@
         </p:nvCxnSpPr>
         <p:spPr>
           <a:xfrm>
-            <a:off x="6196916" y="3806740"/>
-            <a:ext cx="1002495" cy="739592"/>
+            <a:off x="5607379" y="3799293"/>
+            <a:ext cx="0" cy="538331"/>
           </a:xfrm>
           <a:prstGeom prst="line">
             <a:avLst/>
@@ -5860,42 +5930,6 @@
           </a:fontRef>
         </p:style>
       </p:cxnSp>
-      <p:cxnSp>
-        <p:nvCxnSpPr>
-          <p:cNvPr id="99" name="Elbow Connector 98"/>
-          <p:cNvCxnSpPr>
-            <a:stCxn id="15" idx="3"/>
-            <a:endCxn id="24" idx="0"/>
-          </p:cNvCxnSpPr>
-          <p:nvPr/>
-        </p:nvCxnSpPr>
-        <p:spPr>
-          <a:xfrm>
-            <a:off x="1450444" y="6043764"/>
-            <a:ext cx="885378" cy="216605"/>
-          </a:xfrm>
-          <a:prstGeom prst="bentConnector2">
-            <a:avLst/>
-          </a:prstGeom>
-          <a:ln>
-            <a:tailEnd type="triangle" w="lg"/>
-          </a:ln>
-        </p:spPr>
-        <p:style>
-          <a:lnRef idx="2">
-            <a:schemeClr val="accent1"/>
-          </a:lnRef>
-          <a:fillRef idx="0">
-            <a:schemeClr val="accent1"/>
-          </a:fillRef>
-          <a:effectRef idx="1">
-            <a:schemeClr val="accent1"/>
-          </a:effectRef>
-          <a:fontRef idx="minor">
-            <a:schemeClr val="tx1"/>
-          </a:fontRef>
-        </p:style>
-      </p:cxnSp>
       <p:sp>
         <p:nvSpPr>
           <p:cNvPr id="115" name="TextBox 114"/>
@@ -6047,47 +6081,6 @@
       </p:cxnSp>
       <p:sp>
         <p:nvSpPr>
-          <p:cNvPr id="127" name="TextBox 126"/>
-          <p:cNvSpPr txBox="1"/>
-          <p:nvPr/>
-        </p:nvSpPr>
-        <p:spPr>
-          <a:xfrm>
-            <a:off x="585921" y="3214429"/>
-            <a:ext cx="1013743" cy="230832"/>
-          </a:xfrm>
-          <a:prstGeom prst="rect">
-            <a:avLst/>
-          </a:prstGeom>
-          <a:solidFill>
-            <a:schemeClr val="tx2">
-              <a:lumMod val="20000"/>
-              <a:lumOff val="80000"/>
-            </a:schemeClr>
-          </a:solidFill>
-          <a:ln w="19050" cmpd="sng">
-            <a:solidFill>
-              <a:schemeClr val="tx2">
-                <a:lumMod val="75000"/>
-              </a:schemeClr>
-            </a:solidFill>
-          </a:ln>
-        </p:spPr>
-        <p:txBody>
-          <a:bodyPr wrap="square" rtlCol="0">
-            <a:spAutoFit/>
-          </a:bodyPr>
-          <a:lstStyle/>
-          <a:p>
-            <a:r>
-              <a:rPr lang="en-US" sz="900" b="1" dirty="0" smtClean="0"/>
-              <a:t>Allies</a:t>
-            </a:r>
-          </a:p>
-        </p:txBody>
-      </p:sp>
-      <p:sp>
-        <p:nvSpPr>
           <p:cNvPr id="128" name="TextBox 127"/>
           <p:cNvSpPr txBox="1"/>
           <p:nvPr/>
@@ -6177,7 +6170,7 @@
         <p:spPr>
           <a:xfrm>
             <a:off x="155355" y="2224519"/>
-            <a:ext cx="1013743" cy="507831"/>
+            <a:ext cx="1013743" cy="923330"/>
           </a:xfrm>
           <a:prstGeom prst="rect">
             <a:avLst/>
@@ -6210,13 +6203,43 @@
           <a:p>
             <a:r>
               <a:rPr lang="en-US" sz="900" b="1" dirty="0" smtClean="0"/>
+              <a:t>  80:3</a:t>
+            </a:r>
+          </a:p>
+          <a:p>
+            <a:r>
+              <a:rPr lang="en-US" sz="900" b="1" dirty="0" smtClean="0"/>
               <a:t>China</a:t>
             </a:r>
           </a:p>
           <a:p>
             <a:r>
-              <a:rPr lang="en-US" sz="900" b="1" dirty="0" smtClean="0"/>
-              <a:t>80:1</a:t>
+              <a:rPr lang="en-US" sz="900" b="1" dirty="0"/>
+              <a:t> </a:t>
+            </a:r>
+            <a:r>
+              <a:rPr lang="en-US" sz="900" b="1" dirty="0" smtClean="0"/>
+              <a:t> 38:7</a:t>
+            </a:r>
+          </a:p>
+          <a:p>
+            <a:r>
+              <a:rPr lang="en-US" sz="900" b="1" dirty="0"/>
+              <a:t> </a:t>
+            </a:r>
+            <a:r>
+              <a:rPr lang="en-US" sz="900" b="1" dirty="0" smtClean="0"/>
+              <a:t> 66:5</a:t>
+            </a:r>
+          </a:p>
+          <a:p>
+            <a:r>
+              <a:rPr lang="en-US" sz="900" b="1" dirty="0"/>
+              <a:t> </a:t>
+            </a:r>
+            <a:r>
+              <a:rPr lang="en-US" sz="900" b="1" dirty="0" smtClean="0"/>
+              <a:t> 80:4</a:t>
             </a:r>
           </a:p>
         </p:txBody>
@@ -6230,7 +6253,137 @@
         <p:spPr>
           <a:xfrm>
             <a:off x="1450444" y="2224519"/>
-            <a:ext cx="1013743" cy="369332"/>
+            <a:ext cx="1013743" cy="646331"/>
+          </a:xfrm>
+          <a:prstGeom prst="rect">
+            <a:avLst/>
+          </a:prstGeom>
+          <a:solidFill>
+            <a:srgbClr val="C6D9F1"/>
+          </a:solidFill>
+          <a:ln w="19050">
+            <a:solidFill>
+              <a:schemeClr val="tx2">
+                <a:lumMod val="75000"/>
+              </a:schemeClr>
+            </a:solidFill>
+          </a:ln>
+        </p:spPr>
+        <p:txBody>
+          <a:bodyPr wrap="square" rtlCol="0">
+            <a:spAutoFit/>
+          </a:bodyPr>
+          <a:lstStyle/>
+          <a:p>
+            <a:r>
+              <a:rPr lang="en-US" sz="900" b="1" dirty="0" smtClean="0"/>
+              <a:t>Japan</a:t>
+            </a:r>
+          </a:p>
+          <a:p>
+            <a:r>
+              <a:rPr lang="en-US" sz="900" b="1" dirty="0" smtClean="0"/>
+              <a:t>  66:2</a:t>
+            </a:r>
+          </a:p>
+          <a:p>
+            <a:r>
+              <a:rPr lang="en-US" sz="900" b="1" dirty="0" smtClean="0"/>
+              <a:t>  80:2</a:t>
+            </a:r>
+          </a:p>
+          <a:p>
+            <a:r>
+              <a:rPr lang="en-US" sz="900" b="1" dirty="0" smtClean="0"/>
+              <a:t>  103:1</a:t>
+            </a:r>
+          </a:p>
+        </p:txBody>
+      </p:sp>
+      <p:cxnSp>
+        <p:nvCxnSpPr>
+          <p:cNvPr id="133" name="Elbow Connector 132"/>
+          <p:cNvCxnSpPr>
+            <a:stCxn id="20" idx="1"/>
+          </p:cNvCxnSpPr>
+          <p:nvPr/>
+        </p:nvCxnSpPr>
+        <p:spPr>
+          <a:xfrm rot="10800000" flipH="1">
+            <a:off x="1763292" y="2870851"/>
+            <a:ext cx="72032" cy="672011"/>
+          </a:xfrm>
+          <a:prstGeom prst="bentConnector4">
+            <a:avLst>
+              <a:gd name="adj1" fmla="val -317359"/>
+              <a:gd name="adj2" fmla="val 63740"/>
+            </a:avLst>
+          </a:prstGeom>
+          <a:ln>
+            <a:tailEnd type="triangle" w="lg"/>
+          </a:ln>
+        </p:spPr>
+        <p:style>
+          <a:lnRef idx="2">
+            <a:schemeClr val="accent1"/>
+          </a:lnRef>
+          <a:fillRef idx="0">
+            <a:schemeClr val="accent1"/>
+          </a:fillRef>
+          <a:effectRef idx="1">
+            <a:schemeClr val="accent1"/>
+          </a:effectRef>
+          <a:fontRef idx="minor">
+            <a:schemeClr val="tx1"/>
+          </a:fontRef>
+        </p:style>
+      </p:cxnSp>
+      <p:cxnSp>
+        <p:nvCxnSpPr>
+          <p:cNvPr id="136" name="Elbow Connector 135"/>
+          <p:cNvCxnSpPr>
+            <a:stCxn id="20" idx="1"/>
+            <a:endCxn id="130" idx="2"/>
+          </p:cNvCxnSpPr>
+          <p:nvPr/>
+        </p:nvCxnSpPr>
+        <p:spPr>
+          <a:xfrm rot="10800000">
+            <a:off x="662228" y="3147849"/>
+            <a:ext cx="1101065" cy="395012"/>
+          </a:xfrm>
+          <a:prstGeom prst="bentConnector2">
+            <a:avLst/>
+          </a:prstGeom>
+          <a:ln>
+            <a:tailEnd type="triangle" w="lg"/>
+          </a:ln>
+        </p:spPr>
+        <p:style>
+          <a:lnRef idx="2">
+            <a:schemeClr val="accent1"/>
+          </a:lnRef>
+          <a:fillRef idx="0">
+            <a:schemeClr val="accent1"/>
+          </a:fillRef>
+          <a:effectRef idx="1">
+            <a:schemeClr val="accent1"/>
+          </a:effectRef>
+          <a:fontRef idx="minor">
+            <a:schemeClr val="tx1"/>
+          </a:fontRef>
+        </p:style>
+      </p:cxnSp>
+      <p:sp>
+        <p:nvSpPr>
+          <p:cNvPr id="149" name="TextBox 148"/>
+          <p:cNvSpPr txBox="1"/>
+          <p:nvPr/>
+        </p:nvSpPr>
+        <p:spPr>
+          <a:xfrm>
+            <a:off x="7890294" y="4337624"/>
+            <a:ext cx="1147007" cy="369332"/>
           </a:xfrm>
           <a:prstGeom prst="rect">
             <a:avLst/>
@@ -6256,31 +6409,162 @@
           <a:lstStyle/>
           <a:p>
             <a:r>
-              <a:rPr lang="en-US" sz="900" b="1" dirty="0" smtClean="0"/>
-              <a:t>Japan</a:t>
-            </a:r>
-          </a:p>
-          <a:p>
-            <a:r>
-              <a:rPr lang="en-US" sz="900" b="1" dirty="0" smtClean="0"/>
-              <a:t>80:1</a:t>
+              <a:rPr lang="en-US" sz="900" b="1" dirty="0" err="1" smtClean="0"/>
+              <a:t>MissileDefense</a:t>
+            </a:r>
+            <a:endParaRPr lang="en-US" sz="900" b="1" dirty="0" smtClean="0"/>
+          </a:p>
+          <a:p>
+            <a:r>
+              <a:rPr lang="en-US" sz="900" b="1" dirty="0" smtClean="0"/>
+              <a:t>38:4</a:t>
             </a:r>
           </a:p>
         </p:txBody>
       </p:sp>
       <p:cxnSp>
         <p:nvCxnSpPr>
-          <p:cNvPr id="133" name="Elbow Connector 132"/>
+          <p:cNvPr id="151" name="Straight Arrow Connector 150"/>
           <p:cNvCxnSpPr>
-            <a:stCxn id="20" idx="1"/>
-            <a:endCxn id="127" idx="2"/>
+            <a:stCxn id="23" idx="2"/>
+            <a:endCxn id="163" idx="0"/>
           </p:cNvCxnSpPr>
           <p:nvPr/>
         </p:nvCxnSpPr>
         <p:spPr>
-          <a:xfrm rot="10800000">
-            <a:off x="1092794" y="3445261"/>
-            <a:ext cx="670499" cy="97600"/>
+          <a:xfrm>
+            <a:off x="4124234" y="2633922"/>
+            <a:ext cx="3259189" cy="519040"/>
+          </a:xfrm>
+          <a:prstGeom prst="straightConnector1">
+            <a:avLst/>
+          </a:prstGeom>
+          <a:ln>
+            <a:tailEnd type="arrow"/>
+          </a:ln>
+        </p:spPr>
+        <p:style>
+          <a:lnRef idx="2">
+            <a:schemeClr val="accent1"/>
+          </a:lnRef>
+          <a:fillRef idx="0">
+            <a:schemeClr val="accent1"/>
+          </a:fillRef>
+          <a:effectRef idx="1">
+            <a:schemeClr val="accent1"/>
+          </a:effectRef>
+          <a:fontRef idx="minor">
+            <a:schemeClr val="tx1"/>
+          </a:fontRef>
+        </p:style>
+      </p:cxnSp>
+      <p:sp>
+        <p:nvSpPr>
+          <p:cNvPr id="163" name="TextBox 162"/>
+          <p:cNvSpPr txBox="1"/>
+          <p:nvPr/>
+        </p:nvSpPr>
+        <p:spPr>
+          <a:xfrm>
+            <a:off x="6876551" y="3152962"/>
+            <a:ext cx="1013743" cy="230832"/>
+          </a:xfrm>
+          <a:prstGeom prst="rect">
+            <a:avLst/>
+          </a:prstGeom>
+          <a:solidFill>
+            <a:schemeClr val="tx2">
+              <a:lumMod val="20000"/>
+              <a:lumOff val="80000"/>
+            </a:schemeClr>
+          </a:solidFill>
+          <a:ln w="19050">
+            <a:solidFill>
+              <a:schemeClr val="tx2">
+                <a:lumMod val="75000"/>
+              </a:schemeClr>
+            </a:solidFill>
+          </a:ln>
+        </p:spPr>
+        <p:txBody>
+          <a:bodyPr wrap="square" rtlCol="0">
+            <a:spAutoFit/>
+          </a:bodyPr>
+          <a:lstStyle/>
+          <a:p>
+            <a:r>
+              <a:rPr lang="en-US" sz="900" b="1" dirty="0" smtClean="0"/>
+              <a:t>SK Defense</a:t>
+            </a:r>
+          </a:p>
+        </p:txBody>
+      </p:sp>
+      <p:sp>
+        <p:nvSpPr>
+          <p:cNvPr id="164" name="TextBox 163"/>
+          <p:cNvSpPr txBox="1"/>
+          <p:nvPr/>
+        </p:nvSpPr>
+        <p:spPr>
+          <a:xfrm>
+            <a:off x="7890294" y="3617322"/>
+            <a:ext cx="1013743" cy="507831"/>
+          </a:xfrm>
+          <a:prstGeom prst="rect">
+            <a:avLst/>
+          </a:prstGeom>
+          <a:solidFill>
+            <a:schemeClr val="tx2">
+              <a:lumMod val="20000"/>
+              <a:lumOff val="80000"/>
+            </a:schemeClr>
+          </a:solidFill>
+          <a:ln w="19050">
+            <a:solidFill>
+              <a:schemeClr val="tx2">
+                <a:lumMod val="75000"/>
+              </a:schemeClr>
+            </a:solidFill>
+          </a:ln>
+        </p:spPr>
+        <p:txBody>
+          <a:bodyPr wrap="square" rtlCol="0">
+            <a:spAutoFit/>
+          </a:bodyPr>
+          <a:lstStyle/>
+          <a:p>
+            <a:r>
+              <a:rPr lang="en-US" sz="900" b="1" dirty="0" smtClean="0"/>
+              <a:t>Troops</a:t>
+            </a:r>
+          </a:p>
+          <a:p>
+            <a:r>
+              <a:rPr lang="en-US" sz="900" b="1" dirty="0" smtClean="0"/>
+              <a:t>38:2</a:t>
+            </a:r>
+          </a:p>
+          <a:p>
+            <a:r>
+              <a:rPr lang="en-US" sz="900" b="1" dirty="0" smtClean="0"/>
+              <a:t>66:1</a:t>
+            </a:r>
+          </a:p>
+        </p:txBody>
+      </p:sp>
+      <p:cxnSp>
+        <p:nvCxnSpPr>
+          <p:cNvPr id="167" name="Elbow Connector 166"/>
+          <p:cNvCxnSpPr>
+            <a:stCxn id="163" idx="2"/>
+            <a:endCxn id="164" idx="1"/>
+          </p:cNvCxnSpPr>
+          <p:nvPr/>
+        </p:nvCxnSpPr>
+        <p:spPr>
+          <a:xfrm rot="16200000" flipH="1">
+            <a:off x="7393136" y="3374080"/>
+            <a:ext cx="487444" cy="506871"/>
           </a:xfrm>
           <a:prstGeom prst="bentConnector2">
             <a:avLst/>
@@ -6306,98 +6590,20 @@
       </p:cxnSp>
       <p:cxnSp>
         <p:nvCxnSpPr>
-          <p:cNvPr id="136" name="Elbow Connector 135"/>
+          <p:cNvPr id="171" name="Elbow Connector 170"/>
           <p:cNvCxnSpPr>
-            <a:stCxn id="127" idx="0"/>
-            <a:endCxn id="130" idx="2"/>
+            <a:stCxn id="163" idx="2"/>
+            <a:endCxn id="149" idx="1"/>
           </p:cNvCxnSpPr>
           <p:nvPr/>
         </p:nvCxnSpPr>
         <p:spPr>
-          <a:xfrm rot="16200000" flipV="1">
-            <a:off x="636471" y="2758107"/>
-            <a:ext cx="482079" cy="430566"/>
-          </a:xfrm>
-          <a:prstGeom prst="bentConnector3">
-            <a:avLst>
-              <a:gd name="adj1" fmla="val 50000"/>
-            </a:avLst>
-          </a:prstGeom>
-          <a:ln>
-            <a:tailEnd type="triangle" w="lg"/>
-          </a:ln>
-        </p:spPr>
-        <p:style>
-          <a:lnRef idx="2">
-            <a:schemeClr val="accent1"/>
-          </a:lnRef>
-          <a:fillRef idx="0">
-            <a:schemeClr val="accent1"/>
-          </a:fillRef>
-          <a:effectRef idx="1">
-            <a:schemeClr val="accent1"/>
-          </a:effectRef>
-          <a:fontRef idx="minor">
-            <a:schemeClr val="tx1"/>
-          </a:fontRef>
-        </p:style>
-      </p:cxnSp>
-      <p:cxnSp>
-        <p:nvCxnSpPr>
-          <p:cNvPr id="139" name="Elbow Connector 138"/>
-          <p:cNvCxnSpPr>
-            <a:stCxn id="127" idx="0"/>
-            <a:endCxn id="131" idx="2"/>
-          </p:cNvCxnSpPr>
-          <p:nvPr/>
-        </p:nvCxnSpPr>
-        <p:spPr>
-          <a:xfrm rot="5400000" flipH="1" flipV="1">
-            <a:off x="1214765" y="2471879"/>
-            <a:ext cx="620578" cy="864523"/>
-          </a:xfrm>
-          <a:prstGeom prst="bentConnector3">
-            <a:avLst>
-              <a:gd name="adj1" fmla="val 39840"/>
-            </a:avLst>
-          </a:prstGeom>
-          <a:ln>
-            <a:tailEnd type="triangle" w="lg"/>
-          </a:ln>
-        </p:spPr>
-        <p:style>
-          <a:lnRef idx="2">
-            <a:schemeClr val="accent1"/>
-          </a:lnRef>
-          <a:fillRef idx="0">
-            <a:schemeClr val="accent1"/>
-          </a:fillRef>
-          <a:effectRef idx="1">
-            <a:schemeClr val="accent1"/>
-          </a:effectRef>
-          <a:fontRef idx="minor">
-            <a:schemeClr val="tx1"/>
-          </a:fontRef>
-        </p:style>
-      </p:cxnSp>
-      <p:cxnSp>
-        <p:nvCxnSpPr>
-          <p:cNvPr id="145" name="Elbow Connector 144"/>
-          <p:cNvCxnSpPr>
-            <a:stCxn id="130" idx="1"/>
-            <a:endCxn id="15" idx="1"/>
-          </p:cNvCxnSpPr>
-          <p:nvPr/>
-        </p:nvCxnSpPr>
-        <p:spPr>
-          <a:xfrm rot="10800000" flipH="1" flipV="1">
-            <a:off x="155355" y="2478434"/>
-            <a:ext cx="281346" cy="3565329"/>
-          </a:xfrm>
-          <a:prstGeom prst="bentConnector3">
-            <a:avLst>
-              <a:gd name="adj1" fmla="val -33233"/>
-            </a:avLst>
+          <a:xfrm rot="16200000" flipH="1">
+            <a:off x="7067610" y="3699606"/>
+            <a:ext cx="1138496" cy="506871"/>
+          </a:xfrm>
+          <a:prstGeom prst="bentConnector2">
+            <a:avLst/>
           </a:prstGeom>
           <a:ln>
             <a:tailEnd type="triangle" w="lg"/>
@@ -6830,7 +7036,7 @@
         </p:nvSpPr>
         <p:spPr>
           <a:xfrm>
-            <a:off x="6247703" y="1461400"/>
+            <a:off x="5359574" y="745818"/>
             <a:ext cx="1129043" cy="507831"/>
           </a:xfrm>
           <a:prstGeom prst="rect">
@@ -7242,7 +7448,7 @@
         </p:nvSpPr>
         <p:spPr>
           <a:xfrm>
-            <a:off x="5209796" y="815069"/>
+            <a:off x="7023700" y="1356706"/>
             <a:ext cx="1013743" cy="369332"/>
           </a:xfrm>
           <a:prstGeom prst="rect">
@@ -7499,14 +7705,14 @@
           <p:cNvPr id="32" name="Straight Connector 31"/>
           <p:cNvCxnSpPr>
             <a:stCxn id="26" idx="2"/>
-            <a:endCxn id="24" idx="0"/>
+            <a:endCxn id="16" idx="0"/>
           </p:cNvCxnSpPr>
           <p:nvPr/>
         </p:nvCxnSpPr>
         <p:spPr>
           <a:xfrm>
             <a:off x="4564254" y="418744"/>
-            <a:ext cx="1152414" cy="396325"/>
+            <a:ext cx="1359842" cy="327074"/>
           </a:xfrm>
           <a:prstGeom prst="line">
             <a:avLst/>
@@ -7861,15 +8067,15 @@
         <p:nvCxnSpPr>
           <p:cNvPr id="69" name="Elbow Connector 68"/>
           <p:cNvCxnSpPr>
-            <a:stCxn id="24" idx="2"/>
-            <a:endCxn id="16" idx="1"/>
+            <a:stCxn id="16" idx="2"/>
+            <a:endCxn id="24" idx="1"/>
           </p:cNvCxnSpPr>
           <p:nvPr/>
         </p:nvCxnSpPr>
         <p:spPr>
           <a:xfrm rot="16200000" flipH="1">
-            <a:off x="5716728" y="1184340"/>
-            <a:ext cx="530915" cy="531035"/>
+            <a:off x="6330037" y="847708"/>
+            <a:ext cx="287723" cy="1099604"/>
           </a:xfrm>
           <a:prstGeom prst="bentConnector2">
             <a:avLst/>
@@ -8183,25 +8389,106 @@
       </p:cxnSp>
       <p:cxnSp>
         <p:nvCxnSpPr>
-          <p:cNvPr id="108" name="Elbow Connector 107"/>
+          <p:cNvPr id="133" name="Elbow Connector 132"/>
           <p:cNvCxnSpPr>
-            <a:stCxn id="24" idx="3"/>
-            <a:endCxn id="27" idx="3"/>
+            <a:stCxn id="16" idx="2"/>
+            <a:endCxn id="27" idx="0"/>
           </p:cNvCxnSpPr>
           <p:nvPr/>
         </p:nvCxnSpPr>
         <p:spPr>
-          <a:xfrm>
-            <a:off x="6223539" y="999735"/>
-            <a:ext cx="1083653" cy="1991807"/>
+          <a:xfrm rot="16200000" flipH="1">
+            <a:off x="5550970" y="1626774"/>
+            <a:ext cx="1622477" cy="876225"/>
           </a:xfrm>
           <a:prstGeom prst="bentConnector3">
-            <a:avLst>
-              <a:gd name="adj1" fmla="val 141042"/>
-            </a:avLst>
+            <a:avLst/>
           </a:prstGeom>
           <a:ln>
-            <a:tailEnd type="triangle" w="lg"/>
+            <a:tailEnd type="arrow"/>
+          </a:ln>
+        </p:spPr>
+        <p:style>
+          <a:lnRef idx="2">
+            <a:schemeClr val="accent1"/>
+          </a:lnRef>
+          <a:fillRef idx="0">
+            <a:schemeClr val="accent1"/>
+          </a:fillRef>
+          <a:effectRef idx="1">
+            <a:schemeClr val="accent1"/>
+          </a:effectRef>
+          <a:fontRef idx="minor">
+            <a:schemeClr val="tx1"/>
+          </a:fontRef>
+        </p:style>
+      </p:cxnSp>
+      <p:sp>
+        <p:nvSpPr>
+          <p:cNvPr id="139" name="TextBox 138"/>
+          <p:cNvSpPr txBox="1"/>
+          <p:nvPr/>
+        </p:nvSpPr>
+        <p:spPr>
+          <a:xfrm>
+            <a:off x="7813763" y="2129017"/>
+            <a:ext cx="1013743" cy="369332"/>
+          </a:xfrm>
+          <a:prstGeom prst="rect">
+            <a:avLst/>
+          </a:prstGeom>
+          <a:solidFill>
+            <a:schemeClr val="tx2">
+              <a:lumMod val="20000"/>
+              <a:lumOff val="80000"/>
+            </a:schemeClr>
+          </a:solidFill>
+          <a:ln w="19050">
+            <a:solidFill>
+              <a:schemeClr val="tx2">
+                <a:lumMod val="75000"/>
+              </a:schemeClr>
+            </a:solidFill>
+          </a:ln>
+        </p:spPr>
+        <p:txBody>
+          <a:bodyPr wrap="square" rtlCol="0">
+            <a:spAutoFit/>
+          </a:bodyPr>
+          <a:lstStyle/>
+          <a:p>
+            <a:r>
+              <a:rPr lang="en-US" sz="900" b="1" dirty="0" smtClean="0"/>
+              <a:t>Topics</a:t>
+            </a:r>
+          </a:p>
+          <a:p>
+            <a:r>
+              <a:rPr lang="en-US" sz="900" b="1" dirty="0" smtClean="0"/>
+              <a:t>94:5</a:t>
+            </a:r>
+          </a:p>
+        </p:txBody>
+      </p:sp>
+      <p:cxnSp>
+        <p:nvCxnSpPr>
+          <p:cNvPr id="141" name="Elbow Connector 140"/>
+          <p:cNvCxnSpPr>
+            <a:stCxn id="24" idx="2"/>
+            <a:endCxn id="139" idx="1"/>
+          </p:cNvCxnSpPr>
+          <p:nvPr/>
+        </p:nvCxnSpPr>
+        <p:spPr>
+          <a:xfrm rot="16200000" flipH="1">
+            <a:off x="7378345" y="1878264"/>
+            <a:ext cx="587645" cy="283191"/>
+          </a:xfrm>
+          <a:prstGeom prst="bentConnector2">
+            <a:avLst/>
+          </a:prstGeom>
+          <a:ln>
+            <a:tailEnd type="arrow"/>
           </a:ln>
         </p:spPr>
         <p:style>
